--- a/Slides/07_EDUC_6050_2018.pptx
+++ b/Slides/07_EDUC_6050_2018.pptx
@@ -5,7 +5,7 @@
     <p:sldMasterId id="2147483648" r:id="rId1"/>
   </p:sldMasterIdLst>
   <p:notesMasterIdLst>
-    <p:notesMasterId r:id="rId34"/>
+    <p:notesMasterId r:id="rId33"/>
   </p:notesMasterIdLst>
   <p:sldIdLst>
     <p:sldId id="446" r:id="rId2"/>
@@ -32,14 +32,13 @@
     <p:sldId id="442" r:id="rId23"/>
     <p:sldId id="421" r:id="rId24"/>
     <p:sldId id="422" r:id="rId25"/>
-    <p:sldId id="449" r:id="rId26"/>
-    <p:sldId id="450" r:id="rId27"/>
-    <p:sldId id="492" r:id="rId28"/>
-    <p:sldId id="497" r:id="rId29"/>
-    <p:sldId id="498" r:id="rId30"/>
-    <p:sldId id="447" r:id="rId31"/>
-    <p:sldId id="448" r:id="rId32"/>
-    <p:sldId id="349" r:id="rId33"/>
+    <p:sldId id="450" r:id="rId26"/>
+    <p:sldId id="492" r:id="rId27"/>
+    <p:sldId id="497" r:id="rId28"/>
+    <p:sldId id="498" r:id="rId29"/>
+    <p:sldId id="447" r:id="rId30"/>
+    <p:sldId id="448" r:id="rId31"/>
+    <p:sldId id="349" r:id="rId32"/>
   </p:sldIdLst>
   <p:sldSz cx="12192000" cy="6858000"/>
   <p:notesSz cx="6858000" cy="9144000"/>
@@ -2155,7 +2154,7 @@
     </p:spTree>
     <p:extLst>
       <p:ext uri="{BB962C8B-B14F-4D97-AF65-F5344CB8AC3E}">
-        <p14:creationId xmlns:p14="http://schemas.microsoft.com/office/powerpoint/2010/main" val="2042850369"/>
+        <p14:creationId xmlns:p14="http://schemas.microsoft.com/office/powerpoint/2010/main" val="3352512889"/>
       </p:ext>
     </p:extLst>
   </p:cSld>
@@ -2209,7 +2208,417 @@
           <a:bodyPr/>
           <a:lstStyle/>
           <a:p>
+            <a:r>
+              <a:rPr lang="en-US" dirty="0"/>
+              <a:t>Sometimes the effect of one of the predictors depends on the other predictor</a:t>
+            </a:r>
+          </a:p>
+          <a:p>
             <a:endParaRPr lang="en-US" dirty="0"/>
+          </a:p>
+          <a:p>
+            <a:r>
+              <a:rPr lang="en-US" dirty="0"/>
+              <a:t>library(</a:t>
+            </a:r>
+            <a:r>
+              <a:rPr lang="en-US" dirty="0" err="1"/>
+              <a:t>tidyverse</a:t>
+            </a:r>
+            <a:r>
+              <a:rPr lang="en-US" dirty="0"/>
+              <a:t>)</a:t>
+            </a:r>
+          </a:p>
+          <a:p>
+            <a:endParaRPr lang="en-US" dirty="0"/>
+          </a:p>
+          <a:p>
+            <a:r>
+              <a:rPr lang="en-US" dirty="0" err="1"/>
+              <a:t>set.seed</a:t>
+            </a:r>
+            <a:r>
+              <a:rPr lang="en-US" dirty="0"/>
+              <a:t>(843)</a:t>
+            </a:r>
+          </a:p>
+          <a:p>
+            <a:r>
+              <a:rPr lang="en-US" dirty="0"/>
+              <a:t>d1 = </a:t>
+            </a:r>
+            <a:r>
+              <a:rPr lang="en-US" dirty="0" err="1"/>
+              <a:t>tibble</a:t>
+            </a:r>
+            <a:r>
+              <a:rPr lang="en-US" dirty="0"/>
+              <a:t>(</a:t>
+            </a:r>
+          </a:p>
+          <a:p>
+            <a:r>
+              <a:rPr lang="en-US" dirty="0"/>
+              <a:t>  ID = 1:10, </a:t>
+            </a:r>
+          </a:p>
+          <a:p>
+            <a:r>
+              <a:rPr lang="en-US" dirty="0"/>
+              <a:t>  `Time 1` = </a:t>
+            </a:r>
+            <a:r>
+              <a:rPr lang="en-US" dirty="0" err="1"/>
+              <a:t>rnorm</a:t>
+            </a:r>
+            <a:r>
+              <a:rPr lang="en-US" dirty="0"/>
+              <a:t>(10, 10, 1),</a:t>
+            </a:r>
+          </a:p>
+          <a:p>
+            <a:r>
+              <a:rPr lang="en-US" dirty="0"/>
+              <a:t>  `Time 2` = `Time 1` + 1 + </a:t>
+            </a:r>
+            <a:r>
+              <a:rPr lang="en-US" dirty="0" err="1"/>
+              <a:t>rnorm</a:t>
+            </a:r>
+            <a:r>
+              <a:rPr lang="en-US" dirty="0"/>
+              <a:t>(10),</a:t>
+            </a:r>
+          </a:p>
+          <a:p>
+            <a:r>
+              <a:rPr lang="en-US" dirty="0"/>
+              <a:t>  `Time 3` = `Time 2` + .5 + </a:t>
+            </a:r>
+            <a:r>
+              <a:rPr lang="en-US" dirty="0" err="1"/>
+              <a:t>rnorm</a:t>
+            </a:r>
+            <a:r>
+              <a:rPr lang="en-US" dirty="0"/>
+              <a:t>(10),</a:t>
+            </a:r>
+          </a:p>
+          <a:p>
+            <a:r>
+              <a:rPr lang="en-US" dirty="0"/>
+              <a:t>  grp = "Treatment"</a:t>
+            </a:r>
+          </a:p>
+          <a:p>
+            <a:r>
+              <a:rPr lang="en-US" dirty="0"/>
+              <a:t>)</a:t>
+            </a:r>
+          </a:p>
+          <a:p>
+            <a:r>
+              <a:rPr lang="en-US" dirty="0"/>
+              <a:t>d2 = </a:t>
+            </a:r>
+            <a:r>
+              <a:rPr lang="en-US" dirty="0" err="1"/>
+              <a:t>tibble</a:t>
+            </a:r>
+            <a:r>
+              <a:rPr lang="en-US" dirty="0"/>
+              <a:t>(</a:t>
+            </a:r>
+          </a:p>
+          <a:p>
+            <a:r>
+              <a:rPr lang="en-US" dirty="0"/>
+              <a:t>  ID = 11:20, </a:t>
+            </a:r>
+          </a:p>
+          <a:p>
+            <a:r>
+              <a:rPr lang="en-US" dirty="0"/>
+              <a:t>  `Time 1` = </a:t>
+            </a:r>
+            <a:r>
+              <a:rPr lang="en-US" dirty="0" err="1"/>
+              <a:t>rnorm</a:t>
+            </a:r>
+            <a:r>
+              <a:rPr lang="en-US" dirty="0"/>
+              <a:t>(10, 10, 1),</a:t>
+            </a:r>
+          </a:p>
+          <a:p>
+            <a:r>
+              <a:rPr lang="en-US" dirty="0"/>
+              <a:t>  `Time 2` = `Time 1` - 1 + </a:t>
+            </a:r>
+            <a:r>
+              <a:rPr lang="en-US" dirty="0" err="1"/>
+              <a:t>rnorm</a:t>
+            </a:r>
+            <a:r>
+              <a:rPr lang="en-US" dirty="0"/>
+              <a:t>(10),</a:t>
+            </a:r>
+          </a:p>
+          <a:p>
+            <a:r>
+              <a:rPr lang="en-US" dirty="0"/>
+              <a:t>  `Time 3` = `Time 2` - .5 + </a:t>
+            </a:r>
+            <a:r>
+              <a:rPr lang="en-US" dirty="0" err="1"/>
+              <a:t>rnorm</a:t>
+            </a:r>
+            <a:r>
+              <a:rPr lang="en-US" dirty="0"/>
+              <a:t>(10),</a:t>
+            </a:r>
+          </a:p>
+          <a:p>
+            <a:r>
+              <a:rPr lang="en-US" dirty="0"/>
+              <a:t>  grp = "Control"</a:t>
+            </a:r>
+          </a:p>
+          <a:p>
+            <a:r>
+              <a:rPr lang="en-US" dirty="0"/>
+              <a:t>)</a:t>
+            </a:r>
+          </a:p>
+          <a:p>
+            <a:endParaRPr lang="en-US" dirty="0"/>
+          </a:p>
+          <a:p>
+            <a:r>
+              <a:rPr lang="en-US" dirty="0" err="1"/>
+              <a:t>bind_rows</a:t>
+            </a:r>
+            <a:r>
+              <a:rPr lang="en-US" dirty="0"/>
+              <a:t>(d1, d2) %&gt;% </a:t>
+            </a:r>
+          </a:p>
+          <a:p>
+            <a:r>
+              <a:rPr lang="en-US" dirty="0"/>
+              <a:t>  </a:t>
+            </a:r>
+            <a:r>
+              <a:rPr lang="en-US" dirty="0" err="1"/>
+              <a:t>pivot_longer</a:t>
+            </a:r>
+            <a:r>
+              <a:rPr lang="en-US" dirty="0"/>
+              <a:t>(cols = c(`Time 1`, `Time 2`, `Time 3`)) %&gt;% </a:t>
+            </a:r>
+          </a:p>
+          <a:p>
+            <a:r>
+              <a:rPr lang="en-US" dirty="0"/>
+              <a:t>  </a:t>
+            </a:r>
+            <a:r>
+              <a:rPr lang="en-US" dirty="0" err="1"/>
+              <a:t>ggplot</a:t>
+            </a:r>
+            <a:r>
+              <a:rPr lang="en-US" dirty="0"/>
+              <a:t>(</a:t>
+            </a:r>
+            <a:r>
+              <a:rPr lang="en-US" dirty="0" err="1"/>
+              <a:t>aes</a:t>
+            </a:r>
+            <a:r>
+              <a:rPr lang="en-US" dirty="0"/>
+              <a:t>(x = name, y = value, group = ID, color = grp)) +</a:t>
+            </a:r>
+          </a:p>
+          <a:p>
+            <a:r>
+              <a:rPr lang="en-US" dirty="0"/>
+              <a:t>  </a:t>
+            </a:r>
+            <a:r>
+              <a:rPr lang="en-US" dirty="0" err="1"/>
+              <a:t>geom_point</a:t>
+            </a:r>
+            <a:r>
+              <a:rPr lang="en-US" dirty="0"/>
+              <a:t>(</a:t>
+            </a:r>
+            <a:r>
+              <a:rPr lang="en-US" dirty="0" err="1"/>
+              <a:t>show.legend</a:t>
+            </a:r>
+            <a:r>
+              <a:rPr lang="en-US" dirty="0"/>
+              <a:t> = FALSE) +</a:t>
+            </a:r>
+          </a:p>
+          <a:p>
+            <a:r>
+              <a:rPr lang="en-US" dirty="0"/>
+              <a:t>  </a:t>
+            </a:r>
+            <a:r>
+              <a:rPr lang="en-US" dirty="0" err="1"/>
+              <a:t>geom_line</a:t>
+            </a:r>
+            <a:r>
+              <a:rPr lang="en-US" dirty="0"/>
+              <a:t>(</a:t>
+            </a:r>
+            <a:r>
+              <a:rPr lang="en-US" dirty="0" err="1"/>
+              <a:t>show.legend</a:t>
+            </a:r>
+            <a:r>
+              <a:rPr lang="en-US" dirty="0"/>
+              <a:t> = FALSE) +</a:t>
+            </a:r>
+          </a:p>
+          <a:p>
+            <a:r>
+              <a:rPr lang="en-US" dirty="0"/>
+              <a:t>  </a:t>
+            </a:r>
+            <a:r>
+              <a:rPr lang="en-US" dirty="0" err="1"/>
+              <a:t>theme_minimal</a:t>
+            </a:r>
+            <a:r>
+              <a:rPr lang="en-US" dirty="0"/>
+              <a:t>() +</a:t>
+            </a:r>
+          </a:p>
+          <a:p>
+            <a:r>
+              <a:rPr lang="en-US" dirty="0"/>
+              <a:t>  labs(x = "",</a:t>
+            </a:r>
+          </a:p>
+          <a:p>
+            <a:r>
+              <a:rPr lang="en-US" dirty="0"/>
+              <a:t>       y = "Score") +</a:t>
+            </a:r>
+          </a:p>
+          <a:p>
+            <a:r>
+              <a:rPr lang="en-US" dirty="0"/>
+              <a:t>  </a:t>
+            </a:r>
+            <a:r>
+              <a:rPr lang="en-US" dirty="0" err="1"/>
+              <a:t>scale_color_viridis_d</a:t>
+            </a:r>
+            <a:r>
+              <a:rPr lang="en-US" dirty="0"/>
+              <a:t>(end = .6, begin = .2) +</a:t>
+            </a:r>
+          </a:p>
+          <a:p>
+            <a:r>
+              <a:rPr lang="en-US" dirty="0"/>
+              <a:t>  theme(</a:t>
+            </a:r>
+            <a:r>
+              <a:rPr lang="en-US" dirty="0" err="1"/>
+              <a:t>panel.grid.minor</a:t>
+            </a:r>
+            <a:r>
+              <a:rPr lang="en-US" dirty="0"/>
+              <a:t> = </a:t>
+            </a:r>
+            <a:r>
+              <a:rPr lang="en-US" dirty="0" err="1"/>
+              <a:t>element_blank</a:t>
+            </a:r>
+            <a:r>
+              <a:rPr lang="en-US" dirty="0"/>
+              <a:t>(),</a:t>
+            </a:r>
+          </a:p>
+          <a:p>
+            <a:r>
+              <a:rPr lang="en-US" dirty="0"/>
+              <a:t>        </a:t>
+            </a:r>
+            <a:r>
+              <a:rPr lang="en-US" dirty="0" err="1"/>
+              <a:t>panel.grid.major</a:t>
+            </a:r>
+            <a:r>
+              <a:rPr lang="en-US" dirty="0"/>
+              <a:t> = </a:t>
+            </a:r>
+            <a:r>
+              <a:rPr lang="en-US" dirty="0" err="1"/>
+              <a:t>element_line</a:t>
+            </a:r>
+            <a:r>
+              <a:rPr lang="en-US" dirty="0"/>
+              <a:t>(</a:t>
+            </a:r>
+            <a:r>
+              <a:rPr lang="en-US" dirty="0" err="1"/>
+              <a:t>linetype</a:t>
+            </a:r>
+            <a:r>
+              <a:rPr lang="en-US" dirty="0"/>
+              <a:t> = "dashed"),</a:t>
+            </a:r>
+          </a:p>
+          <a:p>
+            <a:r>
+              <a:rPr lang="en-US" dirty="0"/>
+              <a:t>        </a:t>
+            </a:r>
+            <a:r>
+              <a:rPr lang="en-US" dirty="0" err="1"/>
+              <a:t>panel.border</a:t>
+            </a:r>
+            <a:r>
+              <a:rPr lang="en-US" dirty="0"/>
+              <a:t> = </a:t>
+            </a:r>
+            <a:r>
+              <a:rPr lang="en-US" dirty="0" err="1"/>
+              <a:t>element_rect</a:t>
+            </a:r>
+            <a:r>
+              <a:rPr lang="en-US" dirty="0"/>
+              <a:t>(fill = NA, color = "</a:t>
+            </a:r>
+            <a:r>
+              <a:rPr lang="en-US" dirty="0" err="1"/>
+              <a:t>lightgrey</a:t>
+            </a:r>
+            <a:r>
+              <a:rPr lang="en-US" dirty="0"/>
+              <a:t>")) +</a:t>
+            </a:r>
+          </a:p>
+          <a:p>
+            <a:r>
+              <a:rPr lang="en-US" dirty="0"/>
+              <a:t>  </a:t>
+            </a:r>
+            <a:r>
+              <a:rPr lang="en-US" dirty="0" err="1"/>
+              <a:t>facet_wrap</a:t>
+            </a:r>
+            <a:r>
+              <a:rPr lang="en-US" dirty="0"/>
+              <a:t>(~grp)</a:t>
+            </a:r>
           </a:p>
         </p:txBody>
       </p:sp>
@@ -2239,7 +2648,7 @@
     </p:spTree>
     <p:extLst>
       <p:ext uri="{BB962C8B-B14F-4D97-AF65-F5344CB8AC3E}">
-        <p14:creationId xmlns:p14="http://schemas.microsoft.com/office/powerpoint/2010/main" val="3352512889"/>
+        <p14:creationId xmlns:p14="http://schemas.microsoft.com/office/powerpoint/2010/main" val="4176372827"/>
       </p:ext>
     </p:extLst>
   </p:cSld>
@@ -2733,7 +3142,7 @@
     </p:spTree>
     <p:extLst>
       <p:ext uri="{BB962C8B-B14F-4D97-AF65-F5344CB8AC3E}">
-        <p14:creationId xmlns:p14="http://schemas.microsoft.com/office/powerpoint/2010/main" val="4176372827"/>
+        <p14:creationId xmlns:p14="http://schemas.microsoft.com/office/powerpoint/2010/main" val="1053022329"/>
       </p:ext>
     </p:extLst>
   </p:cSld>
@@ -3227,7 +3636,7 @@
     </p:spTree>
     <p:extLst>
       <p:ext uri="{BB962C8B-B14F-4D97-AF65-F5344CB8AC3E}">
-        <p14:creationId xmlns:p14="http://schemas.microsoft.com/office/powerpoint/2010/main" val="1053022329"/>
+        <p14:creationId xmlns:p14="http://schemas.microsoft.com/office/powerpoint/2010/main" val="434686294"/>
       </p:ext>
     </p:extLst>
   </p:cSld>
@@ -3281,417 +3690,7 @@
           <a:bodyPr/>
           <a:lstStyle/>
           <a:p>
-            <a:r>
-              <a:rPr lang="en-US" dirty="0"/>
-              <a:t>Sometimes the effect of one of the predictors depends on the other predictor</a:t>
-            </a:r>
-          </a:p>
-          <a:p>
             <a:endParaRPr lang="en-US" dirty="0"/>
-          </a:p>
-          <a:p>
-            <a:r>
-              <a:rPr lang="en-US" dirty="0"/>
-              <a:t>library(</a:t>
-            </a:r>
-            <a:r>
-              <a:rPr lang="en-US" dirty="0" err="1"/>
-              <a:t>tidyverse</a:t>
-            </a:r>
-            <a:r>
-              <a:rPr lang="en-US" dirty="0"/>
-              <a:t>)</a:t>
-            </a:r>
-          </a:p>
-          <a:p>
-            <a:endParaRPr lang="en-US" dirty="0"/>
-          </a:p>
-          <a:p>
-            <a:r>
-              <a:rPr lang="en-US" dirty="0" err="1"/>
-              <a:t>set.seed</a:t>
-            </a:r>
-            <a:r>
-              <a:rPr lang="en-US" dirty="0"/>
-              <a:t>(843)</a:t>
-            </a:r>
-          </a:p>
-          <a:p>
-            <a:r>
-              <a:rPr lang="en-US" dirty="0"/>
-              <a:t>d1 = </a:t>
-            </a:r>
-            <a:r>
-              <a:rPr lang="en-US" dirty="0" err="1"/>
-              <a:t>tibble</a:t>
-            </a:r>
-            <a:r>
-              <a:rPr lang="en-US" dirty="0"/>
-              <a:t>(</a:t>
-            </a:r>
-          </a:p>
-          <a:p>
-            <a:r>
-              <a:rPr lang="en-US" dirty="0"/>
-              <a:t>  ID = 1:10, </a:t>
-            </a:r>
-          </a:p>
-          <a:p>
-            <a:r>
-              <a:rPr lang="en-US" dirty="0"/>
-              <a:t>  `Time 1` = </a:t>
-            </a:r>
-            <a:r>
-              <a:rPr lang="en-US" dirty="0" err="1"/>
-              <a:t>rnorm</a:t>
-            </a:r>
-            <a:r>
-              <a:rPr lang="en-US" dirty="0"/>
-              <a:t>(10, 10, 1),</a:t>
-            </a:r>
-          </a:p>
-          <a:p>
-            <a:r>
-              <a:rPr lang="en-US" dirty="0"/>
-              <a:t>  `Time 2` = `Time 1` + 1 + </a:t>
-            </a:r>
-            <a:r>
-              <a:rPr lang="en-US" dirty="0" err="1"/>
-              <a:t>rnorm</a:t>
-            </a:r>
-            <a:r>
-              <a:rPr lang="en-US" dirty="0"/>
-              <a:t>(10),</a:t>
-            </a:r>
-          </a:p>
-          <a:p>
-            <a:r>
-              <a:rPr lang="en-US" dirty="0"/>
-              <a:t>  `Time 3` = `Time 2` + .5 + </a:t>
-            </a:r>
-            <a:r>
-              <a:rPr lang="en-US" dirty="0" err="1"/>
-              <a:t>rnorm</a:t>
-            </a:r>
-            <a:r>
-              <a:rPr lang="en-US" dirty="0"/>
-              <a:t>(10),</a:t>
-            </a:r>
-          </a:p>
-          <a:p>
-            <a:r>
-              <a:rPr lang="en-US" dirty="0"/>
-              <a:t>  grp = "Treatment"</a:t>
-            </a:r>
-          </a:p>
-          <a:p>
-            <a:r>
-              <a:rPr lang="en-US" dirty="0"/>
-              <a:t>)</a:t>
-            </a:r>
-          </a:p>
-          <a:p>
-            <a:r>
-              <a:rPr lang="en-US" dirty="0"/>
-              <a:t>d2 = </a:t>
-            </a:r>
-            <a:r>
-              <a:rPr lang="en-US" dirty="0" err="1"/>
-              <a:t>tibble</a:t>
-            </a:r>
-            <a:r>
-              <a:rPr lang="en-US" dirty="0"/>
-              <a:t>(</a:t>
-            </a:r>
-          </a:p>
-          <a:p>
-            <a:r>
-              <a:rPr lang="en-US" dirty="0"/>
-              <a:t>  ID = 11:20, </a:t>
-            </a:r>
-          </a:p>
-          <a:p>
-            <a:r>
-              <a:rPr lang="en-US" dirty="0"/>
-              <a:t>  `Time 1` = </a:t>
-            </a:r>
-            <a:r>
-              <a:rPr lang="en-US" dirty="0" err="1"/>
-              <a:t>rnorm</a:t>
-            </a:r>
-            <a:r>
-              <a:rPr lang="en-US" dirty="0"/>
-              <a:t>(10, 10, 1),</a:t>
-            </a:r>
-          </a:p>
-          <a:p>
-            <a:r>
-              <a:rPr lang="en-US" dirty="0"/>
-              <a:t>  `Time 2` = `Time 1` - 1 + </a:t>
-            </a:r>
-            <a:r>
-              <a:rPr lang="en-US" dirty="0" err="1"/>
-              <a:t>rnorm</a:t>
-            </a:r>
-            <a:r>
-              <a:rPr lang="en-US" dirty="0"/>
-              <a:t>(10),</a:t>
-            </a:r>
-          </a:p>
-          <a:p>
-            <a:r>
-              <a:rPr lang="en-US" dirty="0"/>
-              <a:t>  `Time 3` = `Time 2` - .5 + </a:t>
-            </a:r>
-            <a:r>
-              <a:rPr lang="en-US" dirty="0" err="1"/>
-              <a:t>rnorm</a:t>
-            </a:r>
-            <a:r>
-              <a:rPr lang="en-US" dirty="0"/>
-              <a:t>(10),</a:t>
-            </a:r>
-          </a:p>
-          <a:p>
-            <a:r>
-              <a:rPr lang="en-US" dirty="0"/>
-              <a:t>  grp = "Control"</a:t>
-            </a:r>
-          </a:p>
-          <a:p>
-            <a:r>
-              <a:rPr lang="en-US" dirty="0"/>
-              <a:t>)</a:t>
-            </a:r>
-          </a:p>
-          <a:p>
-            <a:endParaRPr lang="en-US" dirty="0"/>
-          </a:p>
-          <a:p>
-            <a:r>
-              <a:rPr lang="en-US" dirty="0" err="1"/>
-              <a:t>bind_rows</a:t>
-            </a:r>
-            <a:r>
-              <a:rPr lang="en-US" dirty="0"/>
-              <a:t>(d1, d2) %&gt;% </a:t>
-            </a:r>
-          </a:p>
-          <a:p>
-            <a:r>
-              <a:rPr lang="en-US" dirty="0"/>
-              <a:t>  </a:t>
-            </a:r>
-            <a:r>
-              <a:rPr lang="en-US" dirty="0" err="1"/>
-              <a:t>pivot_longer</a:t>
-            </a:r>
-            <a:r>
-              <a:rPr lang="en-US" dirty="0"/>
-              <a:t>(cols = c(`Time 1`, `Time 2`, `Time 3`)) %&gt;% </a:t>
-            </a:r>
-          </a:p>
-          <a:p>
-            <a:r>
-              <a:rPr lang="en-US" dirty="0"/>
-              <a:t>  </a:t>
-            </a:r>
-            <a:r>
-              <a:rPr lang="en-US" dirty="0" err="1"/>
-              <a:t>ggplot</a:t>
-            </a:r>
-            <a:r>
-              <a:rPr lang="en-US" dirty="0"/>
-              <a:t>(</a:t>
-            </a:r>
-            <a:r>
-              <a:rPr lang="en-US" dirty="0" err="1"/>
-              <a:t>aes</a:t>
-            </a:r>
-            <a:r>
-              <a:rPr lang="en-US" dirty="0"/>
-              <a:t>(x = name, y = value, group = ID, color = grp)) +</a:t>
-            </a:r>
-          </a:p>
-          <a:p>
-            <a:r>
-              <a:rPr lang="en-US" dirty="0"/>
-              <a:t>  </a:t>
-            </a:r>
-            <a:r>
-              <a:rPr lang="en-US" dirty="0" err="1"/>
-              <a:t>geom_point</a:t>
-            </a:r>
-            <a:r>
-              <a:rPr lang="en-US" dirty="0"/>
-              <a:t>(</a:t>
-            </a:r>
-            <a:r>
-              <a:rPr lang="en-US" dirty="0" err="1"/>
-              <a:t>show.legend</a:t>
-            </a:r>
-            <a:r>
-              <a:rPr lang="en-US" dirty="0"/>
-              <a:t> = FALSE) +</a:t>
-            </a:r>
-          </a:p>
-          <a:p>
-            <a:r>
-              <a:rPr lang="en-US" dirty="0"/>
-              <a:t>  </a:t>
-            </a:r>
-            <a:r>
-              <a:rPr lang="en-US" dirty="0" err="1"/>
-              <a:t>geom_line</a:t>
-            </a:r>
-            <a:r>
-              <a:rPr lang="en-US" dirty="0"/>
-              <a:t>(</a:t>
-            </a:r>
-            <a:r>
-              <a:rPr lang="en-US" dirty="0" err="1"/>
-              <a:t>show.legend</a:t>
-            </a:r>
-            <a:r>
-              <a:rPr lang="en-US" dirty="0"/>
-              <a:t> = FALSE) +</a:t>
-            </a:r>
-          </a:p>
-          <a:p>
-            <a:r>
-              <a:rPr lang="en-US" dirty="0"/>
-              <a:t>  </a:t>
-            </a:r>
-            <a:r>
-              <a:rPr lang="en-US" dirty="0" err="1"/>
-              <a:t>theme_minimal</a:t>
-            </a:r>
-            <a:r>
-              <a:rPr lang="en-US" dirty="0"/>
-              <a:t>() +</a:t>
-            </a:r>
-          </a:p>
-          <a:p>
-            <a:r>
-              <a:rPr lang="en-US" dirty="0"/>
-              <a:t>  labs(x = "",</a:t>
-            </a:r>
-          </a:p>
-          <a:p>
-            <a:r>
-              <a:rPr lang="en-US" dirty="0"/>
-              <a:t>       y = "Score") +</a:t>
-            </a:r>
-          </a:p>
-          <a:p>
-            <a:r>
-              <a:rPr lang="en-US" dirty="0"/>
-              <a:t>  </a:t>
-            </a:r>
-            <a:r>
-              <a:rPr lang="en-US" dirty="0" err="1"/>
-              <a:t>scale_color_viridis_d</a:t>
-            </a:r>
-            <a:r>
-              <a:rPr lang="en-US" dirty="0"/>
-              <a:t>(end = .6, begin = .2) +</a:t>
-            </a:r>
-          </a:p>
-          <a:p>
-            <a:r>
-              <a:rPr lang="en-US" dirty="0"/>
-              <a:t>  theme(</a:t>
-            </a:r>
-            <a:r>
-              <a:rPr lang="en-US" dirty="0" err="1"/>
-              <a:t>panel.grid.minor</a:t>
-            </a:r>
-            <a:r>
-              <a:rPr lang="en-US" dirty="0"/>
-              <a:t> = </a:t>
-            </a:r>
-            <a:r>
-              <a:rPr lang="en-US" dirty="0" err="1"/>
-              <a:t>element_blank</a:t>
-            </a:r>
-            <a:r>
-              <a:rPr lang="en-US" dirty="0"/>
-              <a:t>(),</a:t>
-            </a:r>
-          </a:p>
-          <a:p>
-            <a:r>
-              <a:rPr lang="en-US" dirty="0"/>
-              <a:t>        </a:t>
-            </a:r>
-            <a:r>
-              <a:rPr lang="en-US" dirty="0" err="1"/>
-              <a:t>panel.grid.major</a:t>
-            </a:r>
-            <a:r>
-              <a:rPr lang="en-US" dirty="0"/>
-              <a:t> = </a:t>
-            </a:r>
-            <a:r>
-              <a:rPr lang="en-US" dirty="0" err="1"/>
-              <a:t>element_line</a:t>
-            </a:r>
-            <a:r>
-              <a:rPr lang="en-US" dirty="0"/>
-              <a:t>(</a:t>
-            </a:r>
-            <a:r>
-              <a:rPr lang="en-US" dirty="0" err="1"/>
-              <a:t>linetype</a:t>
-            </a:r>
-            <a:r>
-              <a:rPr lang="en-US" dirty="0"/>
-              <a:t> = "dashed"),</a:t>
-            </a:r>
-          </a:p>
-          <a:p>
-            <a:r>
-              <a:rPr lang="en-US" dirty="0"/>
-              <a:t>        </a:t>
-            </a:r>
-            <a:r>
-              <a:rPr lang="en-US" dirty="0" err="1"/>
-              <a:t>panel.border</a:t>
-            </a:r>
-            <a:r>
-              <a:rPr lang="en-US" dirty="0"/>
-              <a:t> = </a:t>
-            </a:r>
-            <a:r>
-              <a:rPr lang="en-US" dirty="0" err="1"/>
-              <a:t>element_rect</a:t>
-            </a:r>
-            <a:r>
-              <a:rPr lang="en-US" dirty="0"/>
-              <a:t>(fill = NA, color = "</a:t>
-            </a:r>
-            <a:r>
-              <a:rPr lang="en-US" dirty="0" err="1"/>
-              <a:t>lightgrey</a:t>
-            </a:r>
-            <a:r>
-              <a:rPr lang="en-US" dirty="0"/>
-              <a:t>")) +</a:t>
-            </a:r>
-          </a:p>
-          <a:p>
-            <a:r>
-              <a:rPr lang="en-US" dirty="0"/>
-              <a:t>  </a:t>
-            </a:r>
-            <a:r>
-              <a:rPr lang="en-US" dirty="0" err="1"/>
-              <a:t>facet_wrap</a:t>
-            </a:r>
-            <a:r>
-              <a:rPr lang="en-US" dirty="0"/>
-              <a:t>(~grp)</a:t>
-            </a:r>
           </a:p>
         </p:txBody>
       </p:sp>
@@ -3712,91 +3711,7 @@
           <a:p>
             <a:fld id="{AECF59C2-7033-4B4D-ACA3-71A130EDE93E}" type="slidenum">
               <a:rPr lang="en-US" smtClean="0"/>
-              <a:t>29</a:t>
-            </a:fld>
-            <a:endParaRPr lang="en-US"/>
-          </a:p>
-        </p:txBody>
-      </p:sp>
-    </p:spTree>
-    <p:extLst>
-      <p:ext uri="{BB962C8B-B14F-4D97-AF65-F5344CB8AC3E}">
-        <p14:creationId xmlns:p14="http://schemas.microsoft.com/office/powerpoint/2010/main" val="434686294"/>
-      </p:ext>
-    </p:extLst>
-  </p:cSld>
-  <p:clrMapOvr>
-    <a:masterClrMapping/>
-  </p:clrMapOvr>
-</p:notes>
-</file>
-
-<file path=ppt/notesSlides/notesSlide29.xml><?xml version="1.0" encoding="utf-8"?>
-<p:notes xmlns:a="http://schemas.openxmlformats.org/drawingml/2006/main" xmlns:r="http://schemas.openxmlformats.org/officeDocument/2006/relationships" xmlns:p="http://schemas.openxmlformats.org/presentationml/2006/main">
-  <p:cSld>
-    <p:spTree>
-      <p:nvGrpSpPr>
-        <p:cNvPr id="1" name=""/>
-        <p:cNvGrpSpPr/>
-        <p:nvPr/>
-      </p:nvGrpSpPr>
-      <p:grpSpPr>
-        <a:xfrm>
-          <a:off x="0" y="0"/>
-          <a:ext cx="0" cy="0"/>
-          <a:chOff x="0" y="0"/>
-          <a:chExt cx="0" cy="0"/>
-        </a:xfrm>
-      </p:grpSpPr>
-      <p:sp>
-        <p:nvSpPr>
-          <p:cNvPr id="2" name="Slide Image Placeholder 1"/>
-          <p:cNvSpPr>
-            <a:spLocks noGrp="1" noRot="1" noChangeAspect="1"/>
-          </p:cNvSpPr>
-          <p:nvPr>
-            <p:ph type="sldImg"/>
-          </p:nvPr>
-        </p:nvSpPr>
-        <p:spPr/>
-      </p:sp>
-      <p:sp>
-        <p:nvSpPr>
-          <p:cNvPr id="3" name="Notes Placeholder 2"/>
-          <p:cNvSpPr>
-            <a:spLocks noGrp="1"/>
-          </p:cNvSpPr>
-          <p:nvPr>
-            <p:ph type="body" idx="1"/>
-          </p:nvPr>
-        </p:nvSpPr>
-        <p:spPr/>
-        <p:txBody>
-          <a:bodyPr/>
-          <a:lstStyle/>
-          <a:p>
-            <a:endParaRPr lang="en-US" dirty="0"/>
-          </a:p>
-        </p:txBody>
-      </p:sp>
-      <p:sp>
-        <p:nvSpPr>
-          <p:cNvPr id="4" name="Slide Number Placeholder 3"/>
-          <p:cNvSpPr>
-            <a:spLocks noGrp="1"/>
-          </p:cNvSpPr>
-          <p:nvPr>
-            <p:ph type="sldNum" sz="quarter" idx="10"/>
-          </p:nvPr>
-        </p:nvSpPr>
-        <p:spPr/>
-        <p:txBody>
-          <a:bodyPr/>
-          <a:lstStyle/>
-          <a:p>
-            <a:fld id="{AECF59C2-7033-4B4D-ACA3-71A130EDE93E}" type="slidenum">
-              <a:rPr lang="en-US" smtClean="0"/>
-              <a:t>32</a:t>
+              <a:t>31</a:t>
             </a:fld>
             <a:endParaRPr lang="en-US"/>
           </a:p>
@@ -13257,8 +13172,8 @@
           </a:p>
         </p:txBody>
       </p:sp>
-      <mc:AlternateContent xmlns:mc="http://schemas.openxmlformats.org/markup-compatibility/2006">
-        <mc:Choice xmlns:a14="http://schemas.microsoft.com/office/drawing/2010/main" Requires="a14">
+      <mc:AlternateContent xmlns:mc="http://schemas.openxmlformats.org/markup-compatibility/2006" xmlns:a14="http://schemas.microsoft.com/office/drawing/2010/main">
+        <mc:Choice Requires="a14">
           <p:sp>
             <p:nvSpPr>
               <p:cNvPr id="4" name="TextBox 3">
@@ -13542,7 +13457,7 @@
             </p:txBody>
           </p:sp>
         </mc:Choice>
-        <mc:Fallback>
+        <mc:Fallback xmlns="">
           <p:sp>
             <p:nvSpPr>
               <p:cNvPr id="4" name="TextBox 3">
@@ -13587,8 +13502,8 @@
           </p:sp>
         </mc:Fallback>
       </mc:AlternateContent>
-      <mc:AlternateContent xmlns:mc="http://schemas.openxmlformats.org/markup-compatibility/2006">
-        <mc:Choice xmlns:a14="http://schemas.microsoft.com/office/drawing/2010/main" Requires="a14">
+      <mc:AlternateContent xmlns:mc="http://schemas.openxmlformats.org/markup-compatibility/2006" xmlns:a14="http://schemas.microsoft.com/office/drawing/2010/main">
+        <mc:Choice Requires="a14">
           <p:graphicFrame>
             <p:nvGraphicFramePr>
               <p:cNvPr id="7" name="Table 6">
@@ -13821,7 +13736,7 @@
             </a:graphic>
           </p:graphicFrame>
         </mc:Choice>
-        <mc:Fallback>
+        <mc:Fallback xmlns="">
           <p:graphicFrame>
             <p:nvGraphicFramePr>
               <p:cNvPr id="7" name="Table 6">
@@ -14308,350 +14223,6 @@
       </p:grpSpPr>
       <p:sp>
         <p:nvSpPr>
-          <p:cNvPr id="3" name="Slide Number Placeholder 2"/>
-          <p:cNvSpPr>
-            <a:spLocks noGrp="1"/>
-          </p:cNvSpPr>
-          <p:nvPr>
-            <p:ph type="sldNum" sz="quarter" idx="12"/>
-          </p:nvPr>
-        </p:nvSpPr>
-        <p:spPr/>
-        <p:txBody>
-          <a:bodyPr/>
-          <a:lstStyle/>
-          <a:p>
-            <a:fld id="{4655F2EB-082D-1A4D-B2FA-EA5F6FE60629}" type="slidenum">
-              <a:rPr lang="en-US" smtClean="0"/>
-              <a:t>25</a:t>
-            </a:fld>
-            <a:endParaRPr lang="en-US"/>
-          </a:p>
-        </p:txBody>
-      </p:sp>
-      <p:pic>
-        <p:nvPicPr>
-          <p:cNvPr id="7" name="Picture 6">
-            <a:extLst>
-              <a:ext uri="{FF2B5EF4-FFF2-40B4-BE49-F238E27FC236}">
-                <a16:creationId xmlns:a16="http://schemas.microsoft.com/office/drawing/2014/main" id="{B96BCEFD-C44D-9D43-B7C1-3B91B429856D}"/>
-              </a:ext>
-            </a:extLst>
-          </p:cNvPr>
-          <p:cNvPicPr>
-            <a:picLocks noChangeAspect="1"/>
-          </p:cNvPicPr>
-          <p:nvPr/>
-        </p:nvPicPr>
-        <p:blipFill>
-          <a:blip r:embed="rId3"/>
-          <a:stretch>
-            <a:fillRect/>
-          </a:stretch>
-        </p:blipFill>
-        <p:spPr>
-          <a:xfrm>
-            <a:off x="0" y="0"/>
-            <a:ext cx="12192000" cy="6858000"/>
-          </a:xfrm>
-          <a:prstGeom prst="rect">
-            <a:avLst/>
-          </a:prstGeom>
-        </p:spPr>
-      </p:pic>
-      <p:sp>
-        <p:nvSpPr>
-          <p:cNvPr id="4" name="Rectangle 3">
-            <a:extLst>
-              <a:ext uri="{FF2B5EF4-FFF2-40B4-BE49-F238E27FC236}">
-                <a16:creationId xmlns:a16="http://schemas.microsoft.com/office/drawing/2014/main" id="{E010408D-FA77-3D47-880B-EDC389C1E2A4}"/>
-              </a:ext>
-            </a:extLst>
-          </p:cNvPr>
-          <p:cNvSpPr/>
-          <p:nvPr/>
-        </p:nvSpPr>
-        <p:spPr>
-          <a:xfrm>
-            <a:off x="0" y="0"/>
-            <a:ext cx="12192000" cy="2921000"/>
-          </a:xfrm>
-          <a:prstGeom prst="rect">
-            <a:avLst/>
-          </a:prstGeom>
-          <a:solidFill>
-            <a:srgbClr val="FFFFFF">
-              <a:alpha val="90196"/>
-            </a:srgbClr>
-          </a:solidFill>
-          <a:ln>
-            <a:noFill/>
-          </a:ln>
-        </p:spPr>
-        <p:style>
-          <a:lnRef idx="2">
-            <a:schemeClr val="accent1">
-              <a:shade val="50000"/>
-            </a:schemeClr>
-          </a:lnRef>
-          <a:fillRef idx="1">
-            <a:schemeClr val="accent1"/>
-          </a:fillRef>
-          <a:effectRef idx="0">
-            <a:schemeClr val="accent1"/>
-          </a:effectRef>
-          <a:fontRef idx="minor">
-            <a:schemeClr val="lt1"/>
-          </a:fontRef>
-        </p:style>
-        <p:txBody>
-          <a:bodyPr rtlCol="0" anchor="ctr"/>
-          <a:lstStyle/>
-          <a:p>
-            <a:pPr algn="ctr"/>
-            <a:endParaRPr lang="en-US"/>
-          </a:p>
-        </p:txBody>
-      </p:sp>
-      <p:sp>
-        <p:nvSpPr>
-          <p:cNvPr id="5" name="Rectangle 4">
-            <a:extLst>
-              <a:ext uri="{FF2B5EF4-FFF2-40B4-BE49-F238E27FC236}">
-                <a16:creationId xmlns:a16="http://schemas.microsoft.com/office/drawing/2014/main" id="{9637317C-B1AF-484E-BB0C-A7B0EFBC4CD6}"/>
-              </a:ext>
-            </a:extLst>
-          </p:cNvPr>
-          <p:cNvSpPr/>
-          <p:nvPr/>
-        </p:nvSpPr>
-        <p:spPr>
-          <a:xfrm>
-            <a:off x="0" y="2921000"/>
-            <a:ext cx="7518400" cy="1701800"/>
-          </a:xfrm>
-          <a:prstGeom prst="rect">
-            <a:avLst/>
-          </a:prstGeom>
-          <a:solidFill>
-            <a:srgbClr val="FFFFFF">
-              <a:alpha val="90196"/>
-            </a:srgbClr>
-          </a:solidFill>
-          <a:ln>
-            <a:noFill/>
-          </a:ln>
-        </p:spPr>
-        <p:style>
-          <a:lnRef idx="2">
-            <a:schemeClr val="accent1">
-              <a:shade val="50000"/>
-            </a:schemeClr>
-          </a:lnRef>
-          <a:fillRef idx="1">
-            <a:schemeClr val="accent1"/>
-          </a:fillRef>
-          <a:effectRef idx="0">
-            <a:schemeClr val="accent1"/>
-          </a:effectRef>
-          <a:fontRef idx="minor">
-            <a:schemeClr val="lt1"/>
-          </a:fontRef>
-        </p:style>
-        <p:txBody>
-          <a:bodyPr rtlCol="0" anchor="ctr"/>
-          <a:lstStyle/>
-          <a:p>
-            <a:pPr algn="ctr"/>
-            <a:endParaRPr lang="en-US"/>
-          </a:p>
-        </p:txBody>
-      </p:sp>
-      <p:sp>
-        <p:nvSpPr>
-          <p:cNvPr id="8" name="Rectangle 7">
-            <a:extLst>
-              <a:ext uri="{FF2B5EF4-FFF2-40B4-BE49-F238E27FC236}">
-                <a16:creationId xmlns:a16="http://schemas.microsoft.com/office/drawing/2014/main" id="{899DD555-5A7E-874F-ACC3-C37E3963DA65}"/>
-              </a:ext>
-            </a:extLst>
-          </p:cNvPr>
-          <p:cNvSpPr/>
-          <p:nvPr/>
-        </p:nvSpPr>
-        <p:spPr>
-          <a:xfrm>
-            <a:off x="304800" y="4622800"/>
-            <a:ext cx="2070100" cy="317500"/>
-          </a:xfrm>
-          <a:prstGeom prst="rect">
-            <a:avLst/>
-          </a:prstGeom>
-          <a:solidFill>
-            <a:srgbClr val="FFFFFF">
-              <a:alpha val="90196"/>
-            </a:srgbClr>
-          </a:solidFill>
-          <a:ln>
-            <a:noFill/>
-          </a:ln>
-        </p:spPr>
-        <p:style>
-          <a:lnRef idx="2">
-            <a:schemeClr val="accent1">
-              <a:shade val="50000"/>
-            </a:schemeClr>
-          </a:lnRef>
-          <a:fillRef idx="1">
-            <a:schemeClr val="accent1"/>
-          </a:fillRef>
-          <a:effectRef idx="0">
-            <a:schemeClr val="accent1"/>
-          </a:effectRef>
-          <a:fontRef idx="minor">
-            <a:schemeClr val="lt1"/>
-          </a:fontRef>
-        </p:style>
-        <p:txBody>
-          <a:bodyPr rtlCol="0" anchor="ctr"/>
-          <a:lstStyle/>
-          <a:p>
-            <a:pPr algn="ctr"/>
-            <a:endParaRPr lang="en-US"/>
-          </a:p>
-        </p:txBody>
-      </p:sp>
-      <p:sp>
-        <p:nvSpPr>
-          <p:cNvPr id="9" name="Rectangle 8">
-            <a:extLst>
-              <a:ext uri="{FF2B5EF4-FFF2-40B4-BE49-F238E27FC236}">
-                <a16:creationId xmlns:a16="http://schemas.microsoft.com/office/drawing/2014/main" id="{4E2EF9B5-1B81-F749-8ADF-A515A21C9F68}"/>
-              </a:ext>
-            </a:extLst>
-          </p:cNvPr>
-          <p:cNvSpPr/>
-          <p:nvPr/>
-        </p:nvSpPr>
-        <p:spPr>
-          <a:xfrm>
-            <a:off x="838201" y="601146"/>
-            <a:ext cx="8225329" cy="1015663"/>
-          </a:xfrm>
-          <a:prstGeom prst="rect">
-            <a:avLst/>
-          </a:prstGeom>
-        </p:spPr>
-        <p:txBody>
-          <a:bodyPr wrap="none">
-            <a:spAutoFit/>
-          </a:bodyPr>
-          <a:lstStyle/>
-          <a:p>
-            <a:r>
-              <a:rPr lang="en-US" sz="6000" b="1" dirty="0">
-                <a:solidFill>
-                  <a:schemeClr val="accent6"/>
-                </a:solidFill>
-                <a:latin typeface="Consolas" charset="0"/>
-                <a:cs typeface="Consolas" charset="0"/>
-              </a:rPr>
-              <a:t>One-Way and Two-Way</a:t>
-            </a:r>
-            <a:endParaRPr lang="en-US" sz="4000" dirty="0">
-              <a:solidFill>
-                <a:schemeClr val="accent6"/>
-              </a:solidFill>
-            </a:endParaRPr>
-          </a:p>
-        </p:txBody>
-      </p:sp>
-      <p:sp>
-        <p:nvSpPr>
-          <p:cNvPr id="10" name="Rectangle 9">
-            <a:extLst>
-              <a:ext uri="{FF2B5EF4-FFF2-40B4-BE49-F238E27FC236}">
-                <a16:creationId xmlns:a16="http://schemas.microsoft.com/office/drawing/2014/main" id="{CD89A6E5-C2FE-634E-8AEF-7AB3DE115F7E}"/>
-              </a:ext>
-            </a:extLst>
-          </p:cNvPr>
-          <p:cNvSpPr/>
-          <p:nvPr/>
-        </p:nvSpPr>
-        <p:spPr>
-          <a:xfrm>
-            <a:off x="170481" y="4140199"/>
-            <a:ext cx="5361552" cy="1786791"/>
-          </a:xfrm>
-          <a:prstGeom prst="rect">
-            <a:avLst/>
-          </a:prstGeom>
-          <a:solidFill>
-            <a:srgbClr val="FFFFFF">
-              <a:alpha val="90196"/>
-            </a:srgbClr>
-          </a:solidFill>
-          <a:ln>
-            <a:noFill/>
-          </a:ln>
-        </p:spPr>
-        <p:style>
-          <a:lnRef idx="2">
-            <a:schemeClr val="accent1">
-              <a:shade val="50000"/>
-            </a:schemeClr>
-          </a:lnRef>
-          <a:fillRef idx="1">
-            <a:schemeClr val="accent1"/>
-          </a:fillRef>
-          <a:effectRef idx="0">
-            <a:schemeClr val="accent1"/>
-          </a:effectRef>
-          <a:fontRef idx="minor">
-            <a:schemeClr val="lt1"/>
-          </a:fontRef>
-        </p:style>
-        <p:txBody>
-          <a:bodyPr rtlCol="0" anchor="ctr"/>
-          <a:lstStyle/>
-          <a:p>
-            <a:pPr algn="ctr"/>
-            <a:endParaRPr lang="en-US"/>
-          </a:p>
-        </p:txBody>
-      </p:sp>
-    </p:spTree>
-    <p:extLst>
-      <p:ext uri="{BB962C8B-B14F-4D97-AF65-F5344CB8AC3E}">
-        <p14:creationId xmlns:p14="http://schemas.microsoft.com/office/powerpoint/2010/main" val="2497640257"/>
-      </p:ext>
-    </p:extLst>
-  </p:cSld>
-  <p:clrMapOvr>
-    <a:masterClrMapping/>
-  </p:clrMapOvr>
-</p:sld>
-</file>
-
-<file path=ppt/slides/slide26.xml><?xml version="1.0" encoding="utf-8"?>
-<p:sld xmlns:a="http://schemas.openxmlformats.org/drawingml/2006/main" xmlns:r="http://schemas.openxmlformats.org/officeDocument/2006/relationships" xmlns:p="http://schemas.openxmlformats.org/presentationml/2006/main">
-  <p:cSld>
-    <p:spTree>
-      <p:nvGrpSpPr>
-        <p:cNvPr id="1" name=""/>
-        <p:cNvGrpSpPr/>
-        <p:nvPr/>
-      </p:nvGrpSpPr>
-      <p:grpSpPr>
-        <a:xfrm>
-          <a:off x="0" y="0"/>
-          <a:ext cx="0" cy="0"/>
-          <a:chOff x="0" y="0"/>
-          <a:chExt cx="0" cy="0"/>
-        </a:xfrm>
-      </p:grpSpPr>
-      <p:sp>
-        <p:nvSpPr>
           <p:cNvPr id="8" name="Rectangle 7">
             <a:extLst>
               <a:ext uri="{FF2B5EF4-FFF2-40B4-BE49-F238E27FC236}">
@@ -15047,7 +14618,7 @@
 </p:sld>
 </file>
 
-<file path=ppt/slides/slide27.xml><?xml version="1.0" encoding="utf-8"?>
+<file path=ppt/slides/slide26.xml><?xml version="1.0" encoding="utf-8"?>
 <p:sld xmlns:a="http://schemas.openxmlformats.org/drawingml/2006/main" xmlns:r="http://schemas.openxmlformats.org/officeDocument/2006/relationships" xmlns:p="http://schemas.openxmlformats.org/presentationml/2006/main">
   <p:cSld>
     <p:spTree>
@@ -15117,7 +14688,7 @@
           <a:p>
             <a:fld id="{4655F2EB-082D-1A4D-B2FA-EA5F6FE60629}" type="slidenum">
               <a:rPr lang="en-US" smtClean="0"/>
-              <a:t>27</a:t>
+              <a:t>26</a:t>
             </a:fld>
             <a:endParaRPr lang="en-US"/>
           </a:p>
@@ -15204,7 +14775,7 @@
 </p:sld>
 </file>
 
-<file path=ppt/slides/slide28.xml><?xml version="1.0" encoding="utf-8"?>
+<file path=ppt/slides/slide27.xml><?xml version="1.0" encoding="utf-8"?>
 <p:sld xmlns:a="http://schemas.openxmlformats.org/drawingml/2006/main" xmlns:r="http://schemas.openxmlformats.org/officeDocument/2006/relationships" xmlns:p="http://schemas.openxmlformats.org/presentationml/2006/main">
   <p:cSld>
     <p:spTree>
@@ -15274,7 +14845,7 @@
           <a:p>
             <a:fld id="{4655F2EB-082D-1A4D-B2FA-EA5F6FE60629}" type="slidenum">
               <a:rPr lang="en-US" smtClean="0"/>
-              <a:t>28</a:t>
+              <a:t>27</a:t>
             </a:fld>
             <a:endParaRPr lang="en-US"/>
           </a:p>
@@ -15323,7 +14894,7 @@
 </p:sld>
 </file>
 
-<file path=ppt/slides/slide29.xml><?xml version="1.0" encoding="utf-8"?>
+<file path=ppt/slides/slide28.xml><?xml version="1.0" encoding="utf-8"?>
 <p:sld xmlns:a="http://schemas.openxmlformats.org/drawingml/2006/main" xmlns:r="http://schemas.openxmlformats.org/officeDocument/2006/relationships" xmlns:p="http://schemas.openxmlformats.org/presentationml/2006/main">
   <p:cSld>
     <p:spTree>
@@ -15393,7 +14964,7 @@
           <a:p>
             <a:fld id="{4655F2EB-082D-1A4D-B2FA-EA5F6FE60629}" type="slidenum">
               <a:rPr lang="en-US" smtClean="0"/>
-              <a:t>29</a:t>
+              <a:t>28</a:t>
             </a:fld>
             <a:endParaRPr lang="en-US"/>
           </a:p>
@@ -15537,6 +15108,154 @@
     <p:extLst>
       <p:ext uri="{BB962C8B-B14F-4D97-AF65-F5344CB8AC3E}">
         <p14:creationId xmlns:p14="http://schemas.microsoft.com/office/powerpoint/2010/main" val="3381734028"/>
+      </p:ext>
+    </p:extLst>
+  </p:cSld>
+  <p:clrMapOvr>
+    <a:masterClrMapping/>
+  </p:clrMapOvr>
+</p:sld>
+</file>
+
+<file path=ppt/slides/slide29.xml><?xml version="1.0" encoding="utf-8"?>
+<p:sld xmlns:a="http://schemas.openxmlformats.org/drawingml/2006/main" xmlns:r="http://schemas.openxmlformats.org/officeDocument/2006/relationships" xmlns:p="http://schemas.openxmlformats.org/presentationml/2006/main">
+  <p:cSld>
+    <p:spTree>
+      <p:nvGrpSpPr>
+        <p:cNvPr id="1" name=""/>
+        <p:cNvGrpSpPr/>
+        <p:nvPr/>
+      </p:nvGrpSpPr>
+      <p:grpSpPr>
+        <a:xfrm>
+          <a:off x="0" y="0"/>
+          <a:ext cx="0" cy="0"/>
+          <a:chOff x="0" y="0"/>
+          <a:chExt cx="0" cy="0"/>
+        </a:xfrm>
+      </p:grpSpPr>
+      <p:sp>
+        <p:nvSpPr>
+          <p:cNvPr id="4" name="Rectangle 3"/>
+          <p:cNvSpPr/>
+          <p:nvPr/>
+        </p:nvSpPr>
+        <p:spPr>
+          <a:xfrm>
+            <a:off x="408212" y="1108332"/>
+            <a:ext cx="11413671" cy="4216539"/>
+          </a:xfrm>
+          <a:prstGeom prst="rect">
+            <a:avLst/>
+          </a:prstGeom>
+        </p:spPr>
+        <p:txBody>
+          <a:bodyPr wrap="square">
+            <a:spAutoFit/>
+          </a:bodyPr>
+          <a:lstStyle/>
+          <a:p>
+            <a:pPr algn="ctr"/>
+            <a:r>
+              <a:rPr lang="en-US" sz="8800" b="1" dirty="0">
+                <a:solidFill>
+                  <a:schemeClr val="accent3"/>
+                </a:solidFill>
+                <a:latin typeface="Consolas" charset="0"/>
+                <a:ea typeface="Consolas" charset="0"/>
+                <a:cs typeface="Consolas" charset="0"/>
+              </a:rPr>
+              <a:t>Questions?</a:t>
+            </a:r>
+          </a:p>
+          <a:p>
+            <a:pPr algn="ctr"/>
+            <a:r>
+              <a:rPr lang="en-US" sz="6000" b="1" dirty="0">
+                <a:solidFill>
+                  <a:schemeClr val="accent1"/>
+                </a:solidFill>
+                <a:latin typeface="Consolas" charset="0"/>
+                <a:cs typeface="Consolas" charset="0"/>
+              </a:rPr>
+              <a:t>Please post them to the discussion board before class starts</a:t>
+            </a:r>
+            <a:endParaRPr lang="en-US" sz="6000" dirty="0">
+              <a:solidFill>
+                <a:schemeClr val="accent1"/>
+              </a:solidFill>
+            </a:endParaRPr>
+          </a:p>
+        </p:txBody>
+      </p:sp>
+      <p:sp>
+        <p:nvSpPr>
+          <p:cNvPr id="2" name="Slide Number Placeholder 1"/>
+          <p:cNvSpPr>
+            <a:spLocks noGrp="1"/>
+          </p:cNvSpPr>
+          <p:nvPr>
+            <p:ph type="sldNum" sz="quarter" idx="12"/>
+          </p:nvPr>
+        </p:nvSpPr>
+        <p:spPr/>
+        <p:txBody>
+          <a:bodyPr/>
+          <a:lstStyle/>
+          <a:p>
+            <a:fld id="{4655F2EB-082D-1A4D-B2FA-EA5F6FE60629}" type="slidenum">
+              <a:rPr lang="en-US" smtClean="0"/>
+              <a:t>29</a:t>
+            </a:fld>
+            <a:endParaRPr lang="en-US"/>
+          </a:p>
+        </p:txBody>
+      </p:sp>
+      <p:sp>
+        <p:nvSpPr>
+          <p:cNvPr id="3" name="TextBox 2">
+            <a:extLst>
+              <a:ext uri="{FF2B5EF4-FFF2-40B4-BE49-F238E27FC236}">
+                <a16:creationId xmlns:a16="http://schemas.microsoft.com/office/drawing/2014/main" id="{AFE30D6B-58FB-6F42-B0AC-D167B8DED558}"/>
+              </a:ext>
+            </a:extLst>
+          </p:cNvPr>
+          <p:cNvSpPr txBox="1"/>
+          <p:nvPr/>
+        </p:nvSpPr>
+        <p:spPr>
+          <a:xfrm>
+            <a:off x="3869882" y="5987018"/>
+            <a:ext cx="4490332" cy="369332"/>
+          </a:xfrm>
+          <a:prstGeom prst="rect">
+            <a:avLst/>
+          </a:prstGeom>
+          <a:noFill/>
+        </p:spPr>
+        <p:txBody>
+          <a:bodyPr wrap="none" rtlCol="0">
+            <a:spAutoFit/>
+          </a:bodyPr>
+          <a:lstStyle/>
+          <a:p>
+            <a:r>
+              <a:rPr lang="en-US" b="1" dirty="0">
+                <a:solidFill>
+                  <a:schemeClr val="accent6"/>
+                </a:solidFill>
+                <a:latin typeface="Consolas" panose="020B0609020204030204" pitchFamily="49" charset="0"/>
+                <a:cs typeface="Consolas" panose="020B0609020204030204" pitchFamily="49" charset="0"/>
+              </a:rPr>
+              <a:t>End of Pre-Recorded Lecture Slides</a:t>
+            </a:r>
+          </a:p>
+        </p:txBody>
+      </p:sp>
+    </p:spTree>
+    <p:extLst>
+      <p:ext uri="{BB962C8B-B14F-4D97-AF65-F5344CB8AC3E}">
+        <p14:creationId xmlns:p14="http://schemas.microsoft.com/office/powerpoint/2010/main" val="2825509799"/>
       </p:ext>
     </p:extLst>
   </p:cSld>
@@ -15654,154 +15373,6 @@
         </p:nvSpPr>
         <p:spPr>
           <a:xfrm>
-            <a:off x="408212" y="1108332"/>
-            <a:ext cx="11413671" cy="4216539"/>
-          </a:xfrm>
-          <a:prstGeom prst="rect">
-            <a:avLst/>
-          </a:prstGeom>
-        </p:spPr>
-        <p:txBody>
-          <a:bodyPr wrap="square">
-            <a:spAutoFit/>
-          </a:bodyPr>
-          <a:lstStyle/>
-          <a:p>
-            <a:pPr algn="ctr"/>
-            <a:r>
-              <a:rPr lang="en-US" sz="8800" b="1" dirty="0">
-                <a:solidFill>
-                  <a:schemeClr val="accent3"/>
-                </a:solidFill>
-                <a:latin typeface="Consolas" charset="0"/>
-                <a:ea typeface="Consolas" charset="0"/>
-                <a:cs typeface="Consolas" charset="0"/>
-              </a:rPr>
-              <a:t>Questions?</a:t>
-            </a:r>
-          </a:p>
-          <a:p>
-            <a:pPr algn="ctr"/>
-            <a:r>
-              <a:rPr lang="en-US" sz="6000" b="1" dirty="0">
-                <a:solidFill>
-                  <a:schemeClr val="accent1"/>
-                </a:solidFill>
-                <a:latin typeface="Consolas" charset="0"/>
-                <a:cs typeface="Consolas" charset="0"/>
-              </a:rPr>
-              <a:t>Please post them to the discussion board before class starts</a:t>
-            </a:r>
-            <a:endParaRPr lang="en-US" sz="6000" dirty="0">
-              <a:solidFill>
-                <a:schemeClr val="accent1"/>
-              </a:solidFill>
-            </a:endParaRPr>
-          </a:p>
-        </p:txBody>
-      </p:sp>
-      <p:sp>
-        <p:nvSpPr>
-          <p:cNvPr id="2" name="Slide Number Placeholder 1"/>
-          <p:cNvSpPr>
-            <a:spLocks noGrp="1"/>
-          </p:cNvSpPr>
-          <p:nvPr>
-            <p:ph type="sldNum" sz="quarter" idx="12"/>
-          </p:nvPr>
-        </p:nvSpPr>
-        <p:spPr/>
-        <p:txBody>
-          <a:bodyPr/>
-          <a:lstStyle/>
-          <a:p>
-            <a:fld id="{4655F2EB-082D-1A4D-B2FA-EA5F6FE60629}" type="slidenum">
-              <a:rPr lang="en-US" smtClean="0"/>
-              <a:t>30</a:t>
-            </a:fld>
-            <a:endParaRPr lang="en-US"/>
-          </a:p>
-        </p:txBody>
-      </p:sp>
-      <p:sp>
-        <p:nvSpPr>
-          <p:cNvPr id="3" name="TextBox 2">
-            <a:extLst>
-              <a:ext uri="{FF2B5EF4-FFF2-40B4-BE49-F238E27FC236}">
-                <a16:creationId xmlns:a16="http://schemas.microsoft.com/office/drawing/2014/main" id="{AFE30D6B-58FB-6F42-B0AC-D167B8DED558}"/>
-              </a:ext>
-            </a:extLst>
-          </p:cNvPr>
-          <p:cNvSpPr txBox="1"/>
-          <p:nvPr/>
-        </p:nvSpPr>
-        <p:spPr>
-          <a:xfrm>
-            <a:off x="3869882" y="5987018"/>
-            <a:ext cx="4490332" cy="369332"/>
-          </a:xfrm>
-          <a:prstGeom prst="rect">
-            <a:avLst/>
-          </a:prstGeom>
-          <a:noFill/>
-        </p:spPr>
-        <p:txBody>
-          <a:bodyPr wrap="none" rtlCol="0">
-            <a:spAutoFit/>
-          </a:bodyPr>
-          <a:lstStyle/>
-          <a:p>
-            <a:r>
-              <a:rPr lang="en-US" b="1" dirty="0">
-                <a:solidFill>
-                  <a:schemeClr val="accent6"/>
-                </a:solidFill>
-                <a:latin typeface="Consolas" panose="020B0609020204030204" pitchFamily="49" charset="0"/>
-                <a:cs typeface="Consolas" panose="020B0609020204030204" pitchFamily="49" charset="0"/>
-              </a:rPr>
-              <a:t>End of Pre-Recorded Lecture Slides</a:t>
-            </a:r>
-          </a:p>
-        </p:txBody>
-      </p:sp>
-    </p:spTree>
-    <p:extLst>
-      <p:ext uri="{BB962C8B-B14F-4D97-AF65-F5344CB8AC3E}">
-        <p14:creationId xmlns:p14="http://schemas.microsoft.com/office/powerpoint/2010/main" val="2825509799"/>
-      </p:ext>
-    </p:extLst>
-  </p:cSld>
-  <p:clrMapOvr>
-    <a:masterClrMapping/>
-  </p:clrMapOvr>
-</p:sld>
-</file>
-
-<file path=ppt/slides/slide31.xml><?xml version="1.0" encoding="utf-8"?>
-<p:sld xmlns:a="http://schemas.openxmlformats.org/drawingml/2006/main" xmlns:r="http://schemas.openxmlformats.org/officeDocument/2006/relationships" xmlns:p="http://schemas.openxmlformats.org/presentationml/2006/main">
-  <p:cSld>
-    <p:spTree>
-      <p:nvGrpSpPr>
-        <p:cNvPr id="1" name=""/>
-        <p:cNvGrpSpPr/>
-        <p:nvPr/>
-      </p:nvGrpSpPr>
-      <p:grpSpPr>
-        <a:xfrm>
-          <a:off x="0" y="0"/>
-          <a:ext cx="0" cy="0"/>
-          <a:chOff x="0" y="0"/>
-          <a:chExt cx="0" cy="0"/>
-        </a:xfrm>
-      </p:grpSpPr>
-      <p:sp>
-        <p:nvSpPr>
-          <p:cNvPr id="4" name="Rectangle 3"/>
-          <p:cNvSpPr/>
-          <p:nvPr/>
-        </p:nvSpPr>
-        <p:spPr>
-          <a:xfrm>
             <a:off x="571499" y="354177"/>
             <a:ext cx="11413671" cy="4154984"/>
           </a:xfrm>
@@ -15859,7 +15430,7 @@
           <a:p>
             <a:fld id="{4655F2EB-082D-1A4D-B2FA-EA5F6FE60629}" type="slidenum">
               <a:rPr lang="en-US" smtClean="0"/>
-              <a:t>31</a:t>
+              <a:t>30</a:t>
             </a:fld>
             <a:endParaRPr lang="en-US"/>
           </a:p>
@@ -15908,7 +15479,7 @@
 </p:sld>
 </file>
 
-<file path=ppt/slides/slide32.xml><?xml version="1.0" encoding="utf-8"?>
+<file path=ppt/slides/slide31.xml><?xml version="1.0" encoding="utf-8"?>
 <p:sld xmlns:a="http://schemas.openxmlformats.org/drawingml/2006/main" xmlns:r="http://schemas.openxmlformats.org/officeDocument/2006/relationships" xmlns:p="http://schemas.openxmlformats.org/presentationml/2006/main">
   <p:cSld>
     <p:spTree>
@@ -15983,7 +15554,7 @@
           <a:p>
             <a:fld id="{4655F2EB-082D-1A4D-B2FA-EA5F6FE60629}" type="slidenum">
               <a:rPr lang="en-US" smtClean="0"/>
-              <a:t>32</a:t>
+              <a:t>31</a:t>
             </a:fld>
             <a:endParaRPr lang="en-US" dirty="0"/>
           </a:p>
